--- a/Doc/2023-CC-SummitTechnical-Final.pptx
+++ b/Doc/2023-CC-SummitTechnical-Final.pptx
@@ -262,7 +262,7 @@
       <p15:sldGuideLst xmlns:p15="http://schemas.microsoft.com/office/powerpoint/2012/main"/>
     </p:ext>
     <p:ext uri="GoogleSlidesCustomDataVersion2">
-      <go:slidesCustomData xmlns="" xmlns:go="http://customooxmlschemas.google.com/" xmlns:ahyp="http://schemas.microsoft.com/office/drawing/2018/hyperlinkcolor" xmlns:p15="http://schemas.microsoft.com/office/powerpoint/2012/main" xmlns:p14="http://schemas.microsoft.com/office/powerpoint/2010/main" xmlns:com="http://schemas.openxmlformats.org/drawingml/2006/compatibility" xmlns:pvml="urn:schemas-microsoft-com:office:powerpoint" xmlns:v="urn:schemas-microsoft-com:vml" xmlns:o="urn:schemas-microsoft-com:office:office" xmlns:dgm="http://schemas.openxmlformats.org/drawingml/2006/diagram" xmlns:c="http://schemas.openxmlformats.org/drawingml/2006/chart" xmlns:mv="urn:schemas-microsoft-com:mac:vml" xmlns:mc="http://schemas.openxmlformats.org/markup-compatibility/2006" r:id="rId29" roundtripDataSignature="AMtx7mjr6PLBXlQmuAYhHlEqEj54pF85GQ=="/>
+      <go:slidesCustomData xmlns:mc="http://schemas.openxmlformats.org/markup-compatibility/2006" xmlns:mv="urn:schemas-microsoft-com:mac:vml" xmlns:c="http://schemas.openxmlformats.org/drawingml/2006/chart" xmlns:dgm="http://schemas.openxmlformats.org/drawingml/2006/diagram" xmlns:o="urn:schemas-microsoft-com:office:office" xmlns:v="urn:schemas-microsoft-com:vml" xmlns:pvml="urn:schemas-microsoft-com:office:powerpoint" xmlns:com="http://schemas.openxmlformats.org/drawingml/2006/compatibility" xmlns:p14="http://schemas.microsoft.com/office/powerpoint/2010/main" xmlns:p15="http://schemas.microsoft.com/office/powerpoint/2012/main" xmlns:ahyp="http://schemas.microsoft.com/office/drawing/2018/hyperlinkcolor" xmlns:go="http://customooxmlschemas.google.com/" xmlns="" r:id="rId29" roundtripDataSignature="AMtx7mjr6PLBXlQmuAYhHlEqEj54pF85GQ=="/>
     </p:ext>
   </p:extLst>
 </p:presentation>
@@ -27367,7 +27367,7 @@
           <a:lstStyle/>
           <a:p>
             <a:r>
-              <a:rPr lang="en-US" sz="1800" b="0">
+              <a:rPr lang="en-US" sz="1800" b="0" dirty="0">
                 <a:solidFill>
                   <a:srgbClr val="4EC9B0"/>
                 </a:solidFill>
@@ -27377,7 +27377,7 @@
               <a:t>string</a:t>
             </a:r>
             <a:r>
-              <a:rPr lang="en-US" sz="1800" b="0">
+              <a:rPr lang="en-US" sz="1800" b="0" dirty="0">
                 <a:solidFill>
                   <a:srgbClr val="CCCCCC"/>
                 </a:solidFill>
@@ -27387,7 +27387,7 @@
               <a:t> </a:t>
             </a:r>
             <a:r>
-              <a:rPr lang="en-US" sz="1800" b="0" err="1">
+              <a:rPr lang="en-US" sz="1800" b="0" dirty="0" err="1">
                 <a:solidFill>
                   <a:schemeClr val="accent2"/>
                 </a:solidFill>
@@ -27397,7 +27397,7 @@
               <a:t>public_key_alg</a:t>
             </a:r>
             <a:r>
-              <a:rPr lang="en-US" sz="1800" b="0">
+              <a:rPr lang="en-US" sz="1800" b="0" dirty="0">
                 <a:solidFill>
                   <a:schemeClr val="tx1">
                     <a:lumMod val="50000"/>
@@ -27410,7 +27410,7 @@
               <a:t>(</a:t>
             </a:r>
             <a:r>
-              <a:rPr lang="en-US" sz="1800" b="0">
+              <a:rPr lang="en-US" sz="1800" b="0" dirty="0">
                 <a:solidFill>
                   <a:srgbClr val="CE9178"/>
                 </a:solidFill>
@@ -27420,7 +27420,7 @@
               <a:t>"rsa-2048"</a:t>
             </a:r>
             <a:r>
-              <a:rPr lang="en-US" sz="1800" b="0">
+              <a:rPr lang="en-US" sz="1800" b="0" dirty="0">
                 <a:solidFill>
                   <a:schemeClr val="tx1">
                     <a:lumMod val="50000"/>
@@ -27433,7 +27433,7 @@
               <a:t>);</a:t>
             </a:r>
             <a:r>
-              <a:rPr lang="en-US" sz="1800" b="0">
+              <a:rPr lang="en-US" sz="1800" b="0" dirty="0">
                 <a:solidFill>
                   <a:srgbClr val="CCCCCC"/>
                 </a:solidFill>
@@ -27443,7 +27443,7 @@
               <a:t> </a:t>
             </a:r>
             <a:r>
-              <a:rPr lang="en-US" sz="1800" b="0">
+              <a:rPr lang="en-US" sz="1800" b="0" dirty="0">
                 <a:solidFill>
                   <a:srgbClr val="4EC9B0"/>
                 </a:solidFill>
@@ -27453,7 +27453,7 @@
               <a:t>string</a:t>
             </a:r>
             <a:r>
-              <a:rPr lang="en-US" sz="1800" b="0">
+              <a:rPr lang="en-US" sz="1800" b="0" dirty="0">
                 <a:solidFill>
                   <a:srgbClr val="CCCCCC"/>
                 </a:solidFill>
@@ -27463,7 +27463,7 @@
               <a:t> </a:t>
             </a:r>
             <a:r>
-              <a:rPr lang="en-US" sz="1800" b="0" err="1">
+              <a:rPr lang="en-US" sz="1800" b="0" dirty="0" err="1">
                 <a:solidFill>
                   <a:schemeClr val="accent2"/>
                 </a:solidFill>
@@ -27473,7 +27473,7 @@
               <a:t>symmetric_key_alg</a:t>
             </a:r>
             <a:r>
-              <a:rPr lang="en-US" sz="1800" b="0">
+              <a:rPr lang="en-US" sz="1800" b="0" dirty="0">
                 <a:solidFill>
                   <a:schemeClr val="tx1">
                     <a:lumMod val="50000"/>
@@ -27486,7 +27486,7 @@
               <a:t>(</a:t>
             </a:r>
             <a:r>
-              <a:rPr lang="en-US" sz="1800" b="0">
+              <a:rPr lang="en-US" sz="1800" b="0" dirty="0">
                 <a:solidFill>
                   <a:srgbClr val="CE9178"/>
                 </a:solidFill>
@@ -27496,7 +27496,7 @@
               <a:t>"aes-256-gcm"</a:t>
             </a:r>
             <a:r>
-              <a:rPr lang="en-US" sz="1800" b="0">
+              <a:rPr lang="en-US" sz="1800" b="0" dirty="0">
                 <a:solidFill>
                   <a:schemeClr val="tx1">
                     <a:lumMod val="50000"/>
@@ -27509,7 +27509,7 @@
               <a:t>);</a:t>
             </a:r>
             <a:r>
-              <a:rPr lang="en-US" sz="1800" b="0">
+              <a:rPr lang="en-US" sz="1800" b="0" dirty="0">
                 <a:solidFill>
                   <a:srgbClr val="CCCCCC"/>
                 </a:solidFill>
@@ -27521,7 +27521,7 @@
           </a:p>
           <a:p>
             <a:r>
-              <a:rPr lang="en-US" sz="1800" b="0" err="1">
+              <a:rPr lang="en-US" sz="1800" b="0" dirty="0" err="1">
                 <a:solidFill>
                   <a:srgbClr val="4EC9B0"/>
                 </a:solidFill>
@@ -27531,7 +27531,7 @@
               <a:t>cc_trust_data</a:t>
             </a:r>
             <a:r>
-              <a:rPr lang="en-US" sz="1800" b="0">
+              <a:rPr lang="en-US" sz="1800" b="0" dirty="0">
                 <a:solidFill>
                   <a:srgbClr val="CCCCCC"/>
                 </a:solidFill>
@@ -27541,7 +27541,7 @@
               <a:t> </a:t>
             </a:r>
             <a:r>
-              <a:rPr lang="en-US" sz="1800" b="0" err="1">
+              <a:rPr lang="en-US" sz="1800" b="0" dirty="0" err="1">
                 <a:solidFill>
                   <a:schemeClr val="accent2"/>
                 </a:solidFill>
@@ -27551,7 +27551,7 @@
               <a:t>app_trust_data</a:t>
             </a:r>
             <a:r>
-              <a:rPr lang="en-US" sz="1800" b="0">
+              <a:rPr lang="en-US" sz="1800" b="0" dirty="0">
                 <a:solidFill>
                   <a:schemeClr val="tx1">
                     <a:lumMod val="50000"/>
@@ -27564,7 +27564,7 @@
               <a:t>(“</a:t>
             </a:r>
             <a:r>
-              <a:rPr lang="en-US" sz="1800" b="0" err="1">
+              <a:rPr lang="en-US" sz="1800" b="0" dirty="0" err="1">
                 <a:solidFill>
                   <a:srgbClr val="4EC9B0"/>
                 </a:solidFill>
@@ -27574,7 +27574,7 @@
               <a:t>sev</a:t>
             </a:r>
             <a:r>
-              <a:rPr lang="en-US" sz="1800" b="0">
+              <a:rPr lang="en-US" sz="1800" b="0" dirty="0">
                 <a:solidFill>
                   <a:schemeClr val="tx1">
                     <a:lumMod val="50000"/>
@@ -27587,7 +27587,7 @@
               <a:t>-</a:t>
             </a:r>
             <a:r>
-              <a:rPr lang="en-US" sz="1800" b="0">
+              <a:rPr lang="en-US" sz="1800" b="0" dirty="0">
                 <a:solidFill>
                   <a:srgbClr val="4EC9B0"/>
                 </a:solidFill>
@@ -27597,7 +27597,7 @@
               <a:t>enclave</a:t>
             </a:r>
             <a:r>
-              <a:rPr lang="en-US" sz="1800" b="0">
+              <a:rPr lang="en-US" sz="1800" b="0" dirty="0">
                 <a:solidFill>
                   <a:schemeClr val="tx1">
                     <a:lumMod val="50000"/>
@@ -27610,7 +27610,7 @@
               <a:t>”, “</a:t>
             </a:r>
             <a:r>
-              <a:rPr lang="en-US" sz="1800" b="0">
+              <a:rPr lang="en-US" sz="1800" b="0" dirty="0">
                 <a:solidFill>
                   <a:srgbClr val="4EC9B0"/>
                 </a:solidFill>
@@ -27620,7 +27620,7 @@
               <a:t>authentication</a:t>
             </a:r>
             <a:r>
-              <a:rPr lang="en-US" sz="1800" b="0">
+              <a:rPr lang="en-US" sz="1800" b="0" dirty="0">
                 <a:solidFill>
                   <a:schemeClr val="tx1">
                     <a:lumMod val="50000"/>
@@ -27633,7 +27633,7 @@
               <a:t>”, “</a:t>
             </a:r>
             <a:r>
-              <a:rPr lang="en-US" sz="1800" b="0">
+              <a:rPr lang="en-US" sz="1800" b="0" dirty="0">
                 <a:solidFill>
                   <a:srgbClr val="4EC9B0"/>
                 </a:solidFill>
@@ -27643,7 +27643,7 @@
               <a:t>store</a:t>
             </a:r>
             <a:r>
-              <a:rPr lang="en-US" sz="1800" b="0">
+              <a:rPr lang="en-US" sz="1800" b="0" dirty="0">
                 <a:solidFill>
                   <a:schemeClr val="tx1">
                     <a:lumMod val="50000"/>
@@ -27656,7 +27656,7 @@
               <a:t>”);</a:t>
             </a:r>
             <a:r>
-              <a:rPr lang="en-US" sz="1800" b="0">
+              <a:rPr lang="en-US" sz="1800" b="0" dirty="0">
                 <a:solidFill>
                   <a:srgbClr val="CCCCCC"/>
                 </a:solidFill>
@@ -27668,7 +27668,7 @@
           </a:p>
           <a:p>
             <a:br>
-              <a:rPr lang="en-US" sz="1800" b="0">
+              <a:rPr lang="en-US" sz="1800" b="0" dirty="0">
                 <a:solidFill>
                   <a:srgbClr val="CCCCCC"/>
                 </a:solidFill>
@@ -27677,7 +27677,7 @@
               </a:rPr>
             </a:br>
             <a:r>
-              <a:rPr lang="en-US" sz="1800" b="0" err="1">
+              <a:rPr lang="en-US" sz="1800" b="0" dirty="0" err="1">
                 <a:solidFill>
                   <a:srgbClr val="9CDCFE"/>
                 </a:solidFill>
@@ -27687,7 +27687,7 @@
               <a:t>app_trust_data</a:t>
             </a:r>
             <a:r>
-              <a:rPr lang="en-US" sz="1800" b="0" err="1">
+              <a:rPr lang="en-US" sz="1800" b="0" dirty="0" err="1">
                 <a:solidFill>
                   <a:srgbClr val="CCCCCC"/>
                 </a:solidFill>
@@ -27697,7 +27697,7 @@
               <a:t>.</a:t>
             </a:r>
             <a:r>
-              <a:rPr lang="en-US" sz="1800" b="0" err="1">
+              <a:rPr lang="en-US" sz="1800" b="0" dirty="0" err="1">
                 <a:solidFill>
                   <a:srgbClr val="DCDCAA"/>
                 </a:solidFill>
@@ -27707,7 +27707,7 @@
               <a:t>initialize_sev_enclave_data</a:t>
             </a:r>
             <a:r>
-              <a:rPr lang="en-US" sz="1800" b="0">
+              <a:rPr lang="en-US" sz="1800" b="0" dirty="0">
                 <a:solidFill>
                   <a:srgbClr val="CCCCCC"/>
                 </a:solidFill>
@@ -27717,7 +27717,7 @@
               <a:t>(…);</a:t>
             </a:r>
             <a:r>
-              <a:rPr lang="en-US" sz="1800" b="0">
+              <a:rPr lang="en-US" sz="1800" b="0" dirty="0">
                 <a:solidFill>
                   <a:srgbClr val="6A9955"/>
                 </a:solidFill>
@@ -27727,7 +27727,7 @@
               <a:t> </a:t>
             </a:r>
             <a:r>
-              <a:rPr lang="en-US" sz="1800" b="0">
+              <a:rPr lang="en-US" sz="1800" b="0" dirty="0">
                 <a:solidFill>
                   <a:schemeClr val="accent6">
                     <a:lumMod val="40000"/>
@@ -27740,7 +27740,7 @@
               <a:t>// </a:t>
             </a:r>
             <a:r>
-              <a:rPr lang="en-US" sz="1800" b="0" err="1">
+              <a:rPr lang="en-US" sz="1800" b="0" dirty="0" err="1">
                 <a:solidFill>
                   <a:schemeClr val="accent6">
                     <a:lumMod val="40000"/>
@@ -27753,7 +27753,7 @@
               <a:t>init</a:t>
             </a:r>
             <a:r>
-              <a:rPr lang="en-US" sz="1800" b="0">
+              <a:rPr lang="en-US" sz="1800" b="0" dirty="0">
                 <a:solidFill>
                   <a:schemeClr val="accent6">
                     <a:lumMod val="40000"/>
@@ -27768,7 +27768,7 @@
           </a:p>
           <a:p>
             <a:r>
-              <a:rPr lang="en-US" sz="1800" b="0" err="1">
+              <a:rPr lang="en-US" sz="1800" b="0" dirty="0" err="1">
                 <a:solidFill>
                   <a:srgbClr val="9CDCFE"/>
                 </a:solidFill>
@@ -27778,7 +27778,7 @@
               <a:t>app_trust_data</a:t>
             </a:r>
             <a:r>
-              <a:rPr lang="en-US" sz="1800" b="0" err="1">
+              <a:rPr lang="en-US" sz="1800" b="0" dirty="0" err="1">
                 <a:solidFill>
                   <a:srgbClr val="CCCCCC"/>
                 </a:solidFill>
@@ -27788,7 +27788,7 @@
               <a:t>.</a:t>
             </a:r>
             <a:r>
-              <a:rPr lang="en-US" sz="1800" b="0" err="1">
+              <a:rPr lang="en-US" sz="1800" b="0" dirty="0" err="1">
                 <a:solidFill>
                   <a:srgbClr val="DCDCAA"/>
                 </a:solidFill>
@@ -27798,7 +27798,7 @@
               <a:t>init_policy_key</a:t>
             </a:r>
             <a:r>
-              <a:rPr lang="en-US" sz="1800" b="0">
+              <a:rPr lang="en-US" sz="1800" b="0" dirty="0">
                 <a:solidFill>
                   <a:srgbClr val="CCCCCC"/>
                 </a:solidFill>
@@ -27808,7 +27808,7 @@
               <a:t>(</a:t>
             </a:r>
             <a:r>
-              <a:rPr lang="en-US" sz="1800" b="0" err="1">
+              <a:rPr lang="en-US" sz="1800" b="0" dirty="0" err="1">
                 <a:solidFill>
                   <a:srgbClr val="CCCCCC"/>
                 </a:solidFill>
@@ -27818,7 +27818,7 @@
               <a:t>initialized_cert_size</a:t>
             </a:r>
             <a:r>
-              <a:rPr lang="en-US" sz="1800" b="0">
+              <a:rPr lang="en-US" sz="1800" b="0" dirty="0">
                 <a:solidFill>
                   <a:srgbClr val="CCCCCC"/>
                 </a:solidFill>
@@ -27828,7 +27828,7 @@
               <a:t>, </a:t>
             </a:r>
             <a:r>
-              <a:rPr lang="en-US" sz="1800" b="0" err="1">
+              <a:rPr lang="en-US" sz="1800" b="0" dirty="0" err="1">
                 <a:solidFill>
                   <a:srgbClr val="CCCCCC"/>
                 </a:solidFill>
@@ -27838,7 +27838,7 @@
               <a:t>initialized_cert</a:t>
             </a:r>
             <a:r>
-              <a:rPr lang="en-US" sz="1800" b="0">
+              <a:rPr lang="en-US" sz="1800" b="0" dirty="0">
                 <a:solidFill>
                   <a:srgbClr val="CCCCCC"/>
                 </a:solidFill>
@@ -27850,7 +27850,7 @@
           </a:p>
           <a:p>
             <a:r>
-              <a:rPr lang="en-US" sz="1800" b="0" err="1">
+              <a:rPr lang="en-US" sz="1800" b="0" dirty="0" err="1">
                 <a:solidFill>
                   <a:srgbClr val="9CDCFE"/>
                 </a:solidFill>
@@ -27860,7 +27860,7 @@
               <a:t>app_trust_data</a:t>
             </a:r>
             <a:r>
-              <a:rPr lang="en-US" sz="1800" b="0" err="1">
+              <a:rPr lang="en-US" sz="1800" b="0" dirty="0" err="1">
                 <a:solidFill>
                   <a:srgbClr val="CCCCCC"/>
                 </a:solidFill>
@@ -27870,7 +27870,7 @@
               <a:t>.</a:t>
             </a:r>
             <a:r>
-              <a:rPr lang="en-US" sz="1800" b="0" err="1">
+              <a:rPr lang="en-US" sz="1800" b="0" dirty="0" err="1">
                 <a:solidFill>
                   <a:srgbClr val="DCDCAA"/>
                 </a:solidFill>
@@ -27880,7 +27880,7 @@
               <a:t>cold_init</a:t>
             </a:r>
             <a:r>
-              <a:rPr lang="en-US" sz="1800" b="0">
+              <a:rPr lang="en-US" sz="1800" b="0" dirty="0">
                 <a:solidFill>
                   <a:srgbClr val="CCCCCC"/>
                 </a:solidFill>
@@ -27890,7 +27890,7 @@
               <a:t>(</a:t>
             </a:r>
             <a:r>
-              <a:rPr lang="en-US" sz="1800" b="0" err="1">
+              <a:rPr lang="en-US" sz="1800" b="0" dirty="0" err="1">
                 <a:solidFill>
                   <a:srgbClr val="CCCCCC"/>
                 </a:solidFill>
@@ -27900,7 +27900,7 @@
               <a:t>public_key_alg</a:t>
             </a:r>
             <a:r>
-              <a:rPr lang="en-US" sz="1800" b="0">
+              <a:rPr lang="en-US" sz="1800" b="0" dirty="0">
                 <a:solidFill>
                   <a:srgbClr val="CCCCCC"/>
                 </a:solidFill>
@@ -27910,7 +27910,7 @@
               <a:t>, </a:t>
             </a:r>
             <a:r>
-              <a:rPr lang="en-US" sz="1800" b="0" err="1">
+              <a:rPr lang="en-US" sz="1800" b="0" dirty="0" err="1">
                 <a:solidFill>
                   <a:srgbClr val="CCCCCC"/>
                 </a:solidFill>
@@ -27920,19 +27920,19 @@
               <a:t>symmetric_key_alg</a:t>
             </a:r>
             <a:r>
-              <a:rPr lang="en-US" sz="1800" b="0">
+              <a:rPr lang="en-US" sz="1800" b="0" dirty="0">
                 <a:solidFill>
                   <a:srgbClr val="CCCCCC"/>
                 </a:solidFill>
                 <a:effectLst/>
                 <a:latin typeface="Menlo" panose="020B0609030804020204" pitchFamily="49" charset="0"/>
               </a:rPr>
-              <a:t>);</a:t>
+              <a:t>, …);</a:t>
             </a:r>
           </a:p>
           <a:p>
             <a:r>
-              <a:rPr lang="en-US" sz="1800" b="0" err="1">
+              <a:rPr lang="en-US" sz="1800" b="0" dirty="0" err="1">
                 <a:solidFill>
                   <a:srgbClr val="9CDCFE"/>
                 </a:solidFill>
@@ -27942,7 +27942,7 @@
               <a:t>app_trust_data</a:t>
             </a:r>
             <a:r>
-              <a:rPr lang="en-US" sz="1800" b="0" err="1">
+              <a:rPr lang="en-US" sz="1800" b="0" dirty="0" err="1">
                 <a:solidFill>
                   <a:srgbClr val="CCCCCC"/>
                 </a:solidFill>
@@ -27952,7 +27952,7 @@
               <a:t>.</a:t>
             </a:r>
             <a:r>
-              <a:rPr lang="en-US" sz="1800" b="0" err="1">
+              <a:rPr lang="en-US" sz="1800" b="0" dirty="0" err="1">
                 <a:solidFill>
                   <a:srgbClr val="DCDCAA"/>
                 </a:solidFill>
@@ -27962,17 +27962,17 @@
               <a:t>certify_me</a:t>
             </a:r>
             <a:r>
-              <a:rPr lang="en-US" sz="1800" b="0">
+              <a:rPr lang="en-US" sz="1800" b="0" dirty="0">
                 <a:solidFill>
                   <a:srgbClr val="CCCCCC"/>
                 </a:solidFill>
                 <a:effectLst/>
                 <a:latin typeface="Menlo" panose="020B0609030804020204" pitchFamily="49" charset="0"/>
               </a:rPr>
-              <a:t>(host, port);</a:t>
-            </a:r>
-            <a:r>
-              <a:rPr lang="en-US" sz="1800" b="0">
+              <a:t>();</a:t>
+            </a:r>
+            <a:r>
+              <a:rPr lang="en-US" sz="1800" b="0" dirty="0">
                 <a:solidFill>
                   <a:srgbClr val="6A9955"/>
                 </a:solidFill>
@@ -27982,7 +27982,7 @@
               <a:t> </a:t>
             </a:r>
             <a:r>
-              <a:rPr lang="en-US" sz="1800" b="0">
+              <a:rPr lang="en-US" sz="1800" b="0" dirty="0">
                 <a:solidFill>
                   <a:schemeClr val="accent6">
                     <a:lumMod val="40000"/>
@@ -27997,7 +27997,7 @@
           </a:p>
           <a:p>
             <a:br>
-              <a:rPr lang="en-US" sz="1800" b="0">
+              <a:rPr lang="en-US" sz="1800" b="0" dirty="0">
                 <a:solidFill>
                   <a:srgbClr val="CCCCCC"/>
                 </a:solidFill>
@@ -28006,7 +28006,7 @@
               </a:rPr>
             </a:br>
             <a:r>
-              <a:rPr lang="en-US" sz="1800" b="0" err="1">
+              <a:rPr lang="en-US" sz="1800" b="0" dirty="0" err="1">
                 <a:solidFill>
                   <a:srgbClr val="4EC9B0"/>
                 </a:solidFill>
@@ -28016,7 +28016,7 @@
               <a:t>secure_authenticated_channel</a:t>
             </a:r>
             <a:r>
-              <a:rPr lang="en-US" sz="1800" b="0">
+              <a:rPr lang="en-US" sz="1800" b="0" dirty="0">
                 <a:solidFill>
                   <a:srgbClr val="CCCCCC"/>
                 </a:solidFill>
@@ -28026,7 +28026,7 @@
               <a:t> </a:t>
             </a:r>
             <a:r>
-              <a:rPr lang="en-US" sz="1800" b="0">
+              <a:rPr lang="en-US" sz="1800" b="0" dirty="0">
                 <a:solidFill>
                   <a:schemeClr val="accent2"/>
                 </a:solidFill>
@@ -28036,7 +28036,7 @@
               <a:t>channel</a:t>
             </a:r>
             <a:r>
-              <a:rPr lang="en-US" sz="1800" b="0">
+              <a:rPr lang="en-US" sz="1800" b="0" dirty="0">
                 <a:solidFill>
                   <a:schemeClr val="tx1">
                     <a:lumMod val="50000"/>
@@ -28049,7 +28049,7 @@
               <a:t>(“</a:t>
             </a:r>
             <a:r>
-              <a:rPr lang="en-US" sz="1800" b="0">
+              <a:rPr lang="en-US" sz="1800" b="0" dirty="0">
                 <a:solidFill>
                   <a:srgbClr val="4EC9B0"/>
                 </a:solidFill>
@@ -28059,7 +28059,7 @@
               <a:t>client</a:t>
             </a:r>
             <a:r>
-              <a:rPr lang="en-US" sz="1800" b="0">
+              <a:rPr lang="en-US" sz="1800" b="0" dirty="0">
                 <a:solidFill>
                   <a:schemeClr val="tx1">
                     <a:lumMod val="50000"/>
@@ -28072,7 +28072,7 @@
               <a:t>”);</a:t>
             </a:r>
             <a:r>
-              <a:rPr lang="en-US" sz="1800" b="0">
+              <a:rPr lang="en-US" sz="1800" b="0" dirty="0">
                 <a:solidFill>
                   <a:srgbClr val="CCCCCC"/>
                 </a:solidFill>
@@ -28084,7 +28084,7 @@
           </a:p>
           <a:p>
             <a:r>
-              <a:rPr lang="en-US" sz="1800" b="0" err="1">
+              <a:rPr lang="en-US" sz="1800" b="0" dirty="0" err="1">
                 <a:solidFill>
                   <a:schemeClr val="accent1"/>
                 </a:solidFill>
@@ -28094,7 +28094,7 @@
               <a:t>channel</a:t>
             </a:r>
             <a:r>
-              <a:rPr lang="en-US" sz="1800" b="0" err="1">
+              <a:rPr lang="en-US" sz="1800" b="0" dirty="0" err="1">
                 <a:solidFill>
                   <a:schemeClr val="tx1">
                     <a:lumMod val="50000"/>
@@ -28107,7 +28107,7 @@
               <a:t>.</a:t>
             </a:r>
             <a:r>
-              <a:rPr lang="en-US" sz="1800" b="0" err="1">
+              <a:rPr lang="en-US" sz="1800" b="0" dirty="0" err="1">
                 <a:solidFill>
                   <a:schemeClr val="accent2"/>
                 </a:solidFill>
@@ -28117,7 +28117,7 @@
               <a:t>init_client_ssl</a:t>
             </a:r>
             <a:r>
-              <a:rPr lang="en-US" sz="1800" b="0">
+              <a:rPr lang="en-US" sz="1800" b="0" dirty="0">
                 <a:solidFill>
                   <a:schemeClr val="tx1">
                     <a:lumMod val="50000"/>
@@ -28130,7 +28130,7 @@
               <a:t>(host, port, policy-key, </a:t>
             </a:r>
             <a:r>
-              <a:rPr lang="en-US" sz="1800" b="0" err="1">
+              <a:rPr lang="en-US" sz="1800" b="0" dirty="0" err="1">
                 <a:solidFill>
                   <a:schemeClr val="tx1">
                     <a:lumMod val="50000"/>
@@ -28143,7 +28143,7 @@
               <a:t>auth_key</a:t>
             </a:r>
             <a:r>
-              <a:rPr lang="en-US" sz="1800" b="0">
+              <a:rPr lang="en-US" sz="1800" b="0" dirty="0">
                 <a:solidFill>
                   <a:schemeClr val="tx1">
                     <a:lumMod val="50000"/>
@@ -28158,7 +28158,7 @@
           </a:p>
           <a:p>
             <a:br>
-              <a:rPr lang="en-US" sz="1800" b="0">
+              <a:rPr lang="en-US" sz="1800" b="0" dirty="0">
                 <a:solidFill>
                   <a:schemeClr val="tx1">
                     <a:lumMod val="50000"/>
@@ -28170,7 +28170,7 @@
               </a:rPr>
             </a:br>
             <a:r>
-              <a:rPr lang="en-US" sz="1800" b="0">
+              <a:rPr lang="en-US" sz="1800" b="0" dirty="0">
                 <a:solidFill>
                   <a:srgbClr val="6A9955"/>
                 </a:solidFill>
@@ -28179,7 +28179,7 @@
               </a:rPr>
               <a:t>// Your application here</a:t>
             </a:r>
-            <a:endParaRPr lang="en-US" sz="1800" b="0">
+            <a:endParaRPr lang="en-US" sz="1800" b="0" dirty="0">
               <a:solidFill>
                 <a:srgbClr val="CCCCCC"/>
               </a:solidFill>
@@ -35036,12 +35036,6 @@
 </file>
 
 <file path=customXml/item2.xml><?xml version="1.0" encoding="utf-8"?>
-<p:properties xmlns:p="http://schemas.microsoft.com/office/2006/metadata/properties" xmlns:xsi="http://www.w3.org/2001/XMLSchema-instance" xmlns:pc="http://schemas.microsoft.com/office/infopath/2007/PartnerControls">
-  <documentManagement/>
-</p:properties>
-</file>
-
-<file path=customXml/item3.xml><?xml version="1.0" encoding="utf-8"?>
 <ct:contentTypeSchema xmlns:ct="http://schemas.microsoft.com/office/2006/metadata/contentType" xmlns:ma="http://schemas.microsoft.com/office/2006/metadata/properties/metaAttributes" ct:_="" ma:_="" ma:contentTypeName="Document" ma:contentTypeID="0x0101004315450B81DA7D4295FAB6E101FBB355" ma:contentTypeVersion="12" ma:contentTypeDescription="Create a new document." ma:contentTypeScope="" ma:versionID="84c08f737672de27f3fbef69a7b74bfc">
   <xsd:schema xmlns:xsd="http://www.w3.org/2001/XMLSchema" xmlns:xs="http://www.w3.org/2001/XMLSchema" xmlns:p="http://schemas.microsoft.com/office/2006/metadata/properties" xmlns:ns2="d31f2ad2-e472-44ee-9b91-cb098f6c1beb" xmlns:ns3="28481bb3-5299-45df-98e4-9eda10c473f6" targetNamespace="http://schemas.microsoft.com/office/2006/metadata/properties" ma:root="true" ma:fieldsID="2e699634b7f5100d9c3fe33ad11b8f85" ns2:_="" ns3:_="">
     <xsd:import namespace="d31f2ad2-e472-44ee-9b91-cb098f6c1beb"/>
@@ -35258,6 +35252,12 @@
 </ct:contentTypeSchema>
 </file>
 
+<file path=customXml/item3.xml><?xml version="1.0" encoding="utf-8"?>
+<p:properties xmlns:p="http://schemas.microsoft.com/office/2006/metadata/properties" xmlns:xsi="http://www.w3.org/2001/XMLSchema-instance" xmlns:pc="http://schemas.microsoft.com/office/infopath/2007/PartnerControls">
+  <documentManagement/>
+</p:properties>
+</file>
+
 <file path=customXml/itemProps1.xml><?xml version="1.0" encoding="utf-8"?>
 <ds:datastoreItem xmlns:ds="http://schemas.openxmlformats.org/officeDocument/2006/customXml" ds:itemID="{1264E9BF-81F6-4417-9AFD-A5CB4EDABBF6}">
   <ds:schemaRefs>
@@ -35267,23 +35267,6 @@
 </file>
 
 <file path=customXml/itemProps2.xml><?xml version="1.0" encoding="utf-8"?>
-<ds:datastoreItem xmlns:ds="http://schemas.openxmlformats.org/officeDocument/2006/customXml" ds:itemID="{16A11658-CF1F-4BE9-9699-0539476E2134}">
-  <ds:schemaRefs>
-    <ds:schemaRef ds:uri="28481bb3-5299-45df-98e4-9eda10c473f6"/>
-    <ds:schemaRef ds:uri="d31f2ad2-e472-44ee-9b91-cb098f6c1beb"/>
-    <ds:schemaRef ds:uri="http://purl.org/dc/dcmitype/"/>
-    <ds:schemaRef ds:uri="http://purl.org/dc/elements/1.1/"/>
-    <ds:schemaRef ds:uri="http://purl.org/dc/terms/"/>
-    <ds:schemaRef ds:uri="http://schemas.microsoft.com/office/2006/documentManagement/types"/>
-    <ds:schemaRef ds:uri="http://schemas.microsoft.com/office/2006/metadata/properties"/>
-    <ds:schemaRef ds:uri="http://schemas.microsoft.com/office/infopath/2007/PartnerControls"/>
-    <ds:schemaRef ds:uri="http://schemas.openxmlformats.org/package/2006/metadata/core-properties"/>
-    <ds:schemaRef ds:uri="http://www.w3.org/XML/1998/namespace"/>
-  </ds:schemaRefs>
-</ds:datastoreItem>
-</file>
-
-<file path=customXml/itemProps3.xml><?xml version="1.0" encoding="utf-8"?>
 <ds:datastoreItem xmlns:ds="http://schemas.openxmlformats.org/officeDocument/2006/customXml" ds:itemID="{8318C4A0-5E8F-4BD2-A274-9D4044649880}">
   <ds:schemaRefs>
     <ds:schemaRef ds:uri="28481bb3-5299-45df-98e4-9eda10c473f6"/>
@@ -35300,4 +35283,21 @@
     <ds:schemaRef ds:uri="http://www.w3.org/2001/XMLSchema"/>
   </ds:schemaRefs>
 </ds:datastoreItem>
+</file>
+
+<file path=customXml/itemProps3.xml><?xml version="1.0" encoding="utf-8"?>
+<ds:datastoreItem xmlns:ds="http://schemas.openxmlformats.org/officeDocument/2006/customXml" ds:itemID="{16A11658-CF1F-4BE9-9699-0539476E2134}">
+  <ds:schemaRefs>
+    <ds:schemaRef ds:uri="28481bb3-5299-45df-98e4-9eda10c473f6"/>
+    <ds:schemaRef ds:uri="d31f2ad2-e472-44ee-9b91-cb098f6c1beb"/>
+    <ds:schemaRef ds:uri="http://purl.org/dc/dcmitype/"/>
+    <ds:schemaRef ds:uri="http://purl.org/dc/elements/1.1/"/>
+    <ds:schemaRef ds:uri="http://purl.org/dc/terms/"/>
+    <ds:schemaRef ds:uri="http://schemas.microsoft.com/office/2006/documentManagement/types"/>
+    <ds:schemaRef ds:uri="http://schemas.microsoft.com/office/2006/metadata/properties"/>
+    <ds:schemaRef ds:uri="http://schemas.microsoft.com/office/infopath/2007/PartnerControls"/>
+    <ds:schemaRef ds:uri="http://schemas.openxmlformats.org/package/2006/metadata/core-properties"/>
+    <ds:schemaRef ds:uri="http://www.w3.org/XML/1998/namespace"/>
+  </ds:schemaRefs>
+</ds:datastoreItem>
 </file>
--- a/Doc/2023-CC-SummitTechnical-Final.pptx
+++ b/Doc/2023-CC-SummitTechnical-Final.pptx
@@ -262,7 +262,7 @@
       <p15:sldGuideLst xmlns:p15="http://schemas.microsoft.com/office/powerpoint/2012/main"/>
     </p:ext>
     <p:ext uri="GoogleSlidesCustomDataVersion2">
-      <go:slidesCustomData xmlns:mc="http://schemas.openxmlformats.org/markup-compatibility/2006" xmlns:mv="urn:schemas-microsoft-com:mac:vml" xmlns:c="http://schemas.openxmlformats.org/drawingml/2006/chart" xmlns:dgm="http://schemas.openxmlformats.org/drawingml/2006/diagram" xmlns:o="urn:schemas-microsoft-com:office:office" xmlns:v="urn:schemas-microsoft-com:vml" xmlns:pvml="urn:schemas-microsoft-com:office:powerpoint" xmlns:com="http://schemas.openxmlformats.org/drawingml/2006/compatibility" xmlns:p14="http://schemas.microsoft.com/office/powerpoint/2010/main" xmlns:p15="http://schemas.microsoft.com/office/powerpoint/2012/main" xmlns:ahyp="http://schemas.microsoft.com/office/drawing/2018/hyperlinkcolor" xmlns:go="http://customooxmlschemas.google.com/" xmlns="" r:id="rId29" roundtripDataSignature="AMtx7mjr6PLBXlQmuAYhHlEqEj54pF85GQ=="/>
+      <go:slidesCustomData xmlns="" xmlns:go="http://customooxmlschemas.google.com/" xmlns:ahyp="http://schemas.microsoft.com/office/drawing/2018/hyperlinkcolor" xmlns:p15="http://schemas.microsoft.com/office/powerpoint/2012/main" xmlns:p14="http://schemas.microsoft.com/office/powerpoint/2010/main" xmlns:com="http://schemas.openxmlformats.org/drawingml/2006/compatibility" xmlns:pvml="urn:schemas-microsoft-com:office:powerpoint" xmlns:v="urn:schemas-microsoft-com:vml" xmlns:o="urn:schemas-microsoft-com:office:office" xmlns:dgm="http://schemas.openxmlformats.org/drawingml/2006/diagram" xmlns:c="http://schemas.openxmlformats.org/drawingml/2006/chart" xmlns:mv="urn:schemas-microsoft-com:mac:vml" xmlns:mc="http://schemas.openxmlformats.org/markup-compatibility/2006" r:id="rId29" roundtripDataSignature="AMtx7mjr6PLBXlQmuAYhHlEqEj54pF85GQ=="/>
     </p:ext>
   </p:extLst>
 </p:presentation>
@@ -26904,7 +26904,7 @@
           <p:nvPr>
             <p:extLst>
               <p:ext uri="{D42A27DB-BD31-4B8C-83A1-F6EECF244321}">
-                <p14:modId xmlns:p14="http://schemas.microsoft.com/office/powerpoint/2010/main" val="2324344503"/>
+                <p14:modId xmlns:p14="http://schemas.microsoft.com/office/powerpoint/2010/main" val="1483176590"/>
               </p:ext>
             </p:extLst>
           </p:nvPr>
@@ -26942,14 +26942,24 @@
                     <a:lstStyle/>
                     <a:p>
                       <a:r>
-                        <a:rPr lang="en-US" b="1">
+                        <a:rPr lang="en-US" b="1" dirty="0" err="1">
                           <a:solidFill>
                             <a:schemeClr val="accent1"/>
                           </a:solidFill>
                           <a:latin typeface="Courier New" panose="02070309020205020404" pitchFamily="49" charset="0"/>
                           <a:cs typeface="Courier New" panose="02070309020205020404" pitchFamily="49" charset="0"/>
                         </a:rPr>
-                        <a:t>cc_trust_data </a:t>
+                        <a:t>cc_trust_manager</a:t>
+                      </a:r>
+                      <a:r>
+                        <a:rPr lang="en-US" b="1" dirty="0">
+                          <a:solidFill>
+                            <a:schemeClr val="accent1"/>
+                          </a:solidFill>
+                          <a:latin typeface="Courier New" panose="02070309020205020404" pitchFamily="49" charset="0"/>
+                          <a:cs typeface="Courier New" panose="02070309020205020404" pitchFamily="49" charset="0"/>
+                        </a:rPr>
+                        <a:t> </a:t>
                       </a:r>
                     </a:p>
                   </a:txBody>
@@ -26961,7 +26971,7 @@
                     <a:lstStyle/>
                     <a:p>
                       <a:r>
-                        <a:rPr lang="en-US"/>
+                        <a:rPr lang="en-US" dirty="0"/>
                         <a:t>Basic interface to establish keys, policy and manage certification with the certifier service.</a:t>
                       </a:r>
                     </a:p>
@@ -27528,7 +27538,16 @@
                 <a:effectLst/>
                 <a:latin typeface="Menlo" panose="020B0609030804020204" pitchFamily="49" charset="0"/>
               </a:rPr>
-              <a:t>cc_trust_data</a:t>
+              <a:t>cc_trust_</a:t>
+            </a:r>
+            <a:r>
+              <a:rPr lang="en-US" sz="1800" dirty="0" err="1">
+                <a:solidFill>
+                  <a:srgbClr val="4EC9B0"/>
+                </a:solidFill>
+                <a:latin typeface="Menlo" panose="020B0609030804020204" pitchFamily="49" charset="0"/>
+              </a:rPr>
+              <a:t>manager</a:t>
             </a:r>
             <a:r>
               <a:rPr lang="en-US" sz="1800" b="0" dirty="0">
@@ -27548,7 +27567,7 @@
                 <a:effectLst/>
                 <a:latin typeface="Menlo" panose="020B0609030804020204" pitchFamily="49" charset="0"/>
               </a:rPr>
-              <a:t>app_trust_data</a:t>
+              <a:t>trust_mgr</a:t>
             </a:r>
             <a:r>
               <a:rPr lang="en-US" sz="1800" b="0" dirty="0">
@@ -27684,7 +27703,7 @@
                 <a:effectLst/>
                 <a:latin typeface="Menlo" panose="020B0609030804020204" pitchFamily="49" charset="0"/>
               </a:rPr>
-              <a:t>app_trust_data</a:t>
+              <a:t>trust_mgr</a:t>
             </a:r>
             <a:r>
               <a:rPr lang="en-US" sz="1800" b="0" dirty="0" err="1">
@@ -27775,7 +27794,7 @@
                 <a:effectLst/>
                 <a:latin typeface="Menlo" panose="020B0609030804020204" pitchFamily="49" charset="0"/>
               </a:rPr>
-              <a:t>app_trust_data</a:t>
+              <a:t>trust_mgr</a:t>
             </a:r>
             <a:r>
               <a:rPr lang="en-US" sz="1800" b="0" dirty="0" err="1">
@@ -27857,7 +27876,7 @@
                 <a:effectLst/>
                 <a:latin typeface="Menlo" panose="020B0609030804020204" pitchFamily="49" charset="0"/>
               </a:rPr>
-              <a:t>app_trust_data</a:t>
+              <a:t>trust_mgr</a:t>
             </a:r>
             <a:r>
               <a:rPr lang="en-US" sz="1800" b="0" dirty="0" err="1">
@@ -27939,7 +27958,7 @@
                 <a:effectLst/>
                 <a:latin typeface="Menlo" panose="020B0609030804020204" pitchFamily="49" charset="0"/>
               </a:rPr>
-              <a:t>app_trust_data</a:t>
+              <a:t>trust_mgr</a:t>
             </a:r>
             <a:r>
               <a:rPr lang="en-US" sz="1800" b="0" dirty="0" err="1">
@@ -35027,15 +35046,6 @@
 </file>
 
 <file path=customXml/item1.xml><?xml version="1.0" encoding="utf-8"?>
-<?mso-contentType ?>
-<FormTemplates xmlns="http://schemas.microsoft.com/sharepoint/v3/contenttype/forms">
-  <Display>DocumentLibraryForm</Display>
-  <Edit>DocumentLibraryForm</Edit>
-  <New>DocumentLibraryForm</New>
-</FormTemplates>
-</file>
-
-<file path=customXml/item2.xml><?xml version="1.0" encoding="utf-8"?>
 <ct:contentTypeSchema xmlns:ct="http://schemas.microsoft.com/office/2006/metadata/contentType" xmlns:ma="http://schemas.microsoft.com/office/2006/metadata/properties/metaAttributes" ct:_="" ma:_="" ma:contentTypeName="Document" ma:contentTypeID="0x0101004315450B81DA7D4295FAB6E101FBB355" ma:contentTypeVersion="12" ma:contentTypeDescription="Create a new document." ma:contentTypeScope="" ma:versionID="84c08f737672de27f3fbef69a7b74bfc">
   <xsd:schema xmlns:xsd="http://www.w3.org/2001/XMLSchema" xmlns:xs="http://www.w3.org/2001/XMLSchema" xmlns:p="http://schemas.microsoft.com/office/2006/metadata/properties" xmlns:ns2="d31f2ad2-e472-44ee-9b91-cb098f6c1beb" xmlns:ns3="28481bb3-5299-45df-98e4-9eda10c473f6" targetNamespace="http://schemas.microsoft.com/office/2006/metadata/properties" ma:root="true" ma:fieldsID="2e699634b7f5100d9c3fe33ad11b8f85" ns2:_="" ns3:_="">
     <xsd:import namespace="d31f2ad2-e472-44ee-9b91-cb098f6c1beb"/>
@@ -35252,6 +35262,15 @@
 </ct:contentTypeSchema>
 </file>
 
+<file path=customXml/item2.xml><?xml version="1.0" encoding="utf-8"?>
+<?mso-contentType ?>
+<FormTemplates xmlns="http://schemas.microsoft.com/sharepoint/v3/contenttype/forms">
+  <Display>DocumentLibraryForm</Display>
+  <Edit>DocumentLibraryForm</Edit>
+  <New>DocumentLibraryForm</New>
+</FormTemplates>
+</file>
+
 <file path=customXml/item3.xml><?xml version="1.0" encoding="utf-8"?>
 <p:properties xmlns:p="http://schemas.microsoft.com/office/2006/metadata/properties" xmlns:xsi="http://www.w3.org/2001/XMLSchema-instance" xmlns:pc="http://schemas.microsoft.com/office/infopath/2007/PartnerControls">
   <documentManagement/>
@@ -35259,14 +35278,6 @@
 </file>
 
 <file path=customXml/itemProps1.xml><?xml version="1.0" encoding="utf-8"?>
-<ds:datastoreItem xmlns:ds="http://schemas.openxmlformats.org/officeDocument/2006/customXml" ds:itemID="{1264E9BF-81F6-4417-9AFD-A5CB4EDABBF6}">
-  <ds:schemaRefs>
-    <ds:schemaRef ds:uri="http://schemas.microsoft.com/sharepoint/v3/contenttype/forms"/>
-  </ds:schemaRefs>
-</ds:datastoreItem>
-</file>
-
-<file path=customXml/itemProps2.xml><?xml version="1.0" encoding="utf-8"?>
 <ds:datastoreItem xmlns:ds="http://schemas.openxmlformats.org/officeDocument/2006/customXml" ds:itemID="{8318C4A0-5E8F-4BD2-A274-9D4044649880}">
   <ds:schemaRefs>
     <ds:schemaRef ds:uri="28481bb3-5299-45df-98e4-9eda10c473f6"/>
@@ -35281,6 +35292,14 @@
     <ds:schemaRef ds:uri="http://schemas.microsoft.com/office/infopath/2007/PartnerControls"/>
     <ds:schemaRef ds:uri="http://schemas.openxmlformats.org/package/2006/metadata/core-properties"/>
     <ds:schemaRef ds:uri="http://www.w3.org/2001/XMLSchema"/>
+  </ds:schemaRefs>
+</ds:datastoreItem>
+</file>
+
+<file path=customXml/itemProps2.xml><?xml version="1.0" encoding="utf-8"?>
+<ds:datastoreItem xmlns:ds="http://schemas.openxmlformats.org/officeDocument/2006/customXml" ds:itemID="{1264E9BF-81F6-4417-9AFD-A5CB4EDABBF6}">
+  <ds:schemaRefs>
+    <ds:schemaRef ds:uri="http://schemas.microsoft.com/sharepoint/v3/contenttype/forms"/>
   </ds:schemaRefs>
 </ds:datastoreItem>
 </file>
